--- a/writing/cogsci/figures/figures.pptx
+++ b/writing/cogsci/figures/figures.pptx
@@ -7,6 +7,7 @@
   <p:sldIdLst>
     <p:sldId id="256" r:id="rId2"/>
     <p:sldId id="257" r:id="rId3"/>
+    <p:sldId id="258" r:id="rId4"/>
   </p:sldIdLst>
   <p:sldSz cx="9144000" cy="6858000" type="screen4x3"/>
   <p:notesSz cx="6858000" cy="9144000"/>
@@ -289,7 +290,8 @@
           <a:p>
             <a:fld id="{777364C6-8202-CF4E-AE28-F11CA5C212C9}" type="datetimeFigureOut">
               <a:rPr lang="en-US" smtClean="0"/>
-              <a:t>1/9/16</a:t>
+              <a:pPr/>
+              <a:t>1/15/16</a:t>
             </a:fld>
             <a:endParaRPr lang="en-US"/>
           </a:p>
@@ -331,6 +333,7 @@
           <a:p>
             <a:fld id="{AB4423BC-E6F0-CD42-84AD-8915EEE2A9F0}" type="slidenum">
               <a:rPr lang="en-US" smtClean="0"/>
+              <a:pPr/>
               <a:t>‹#›</a:t>
             </a:fld>
             <a:endParaRPr lang="en-US"/>
@@ -454,7 +457,8 @@
           <a:p>
             <a:fld id="{777364C6-8202-CF4E-AE28-F11CA5C212C9}" type="datetimeFigureOut">
               <a:rPr lang="en-US" smtClean="0"/>
-              <a:t>1/9/16</a:t>
+              <a:pPr/>
+              <a:t>1/15/16</a:t>
             </a:fld>
             <a:endParaRPr lang="en-US"/>
           </a:p>
@@ -496,6 +500,7 @@
           <a:p>
             <a:fld id="{AB4423BC-E6F0-CD42-84AD-8915EEE2A9F0}" type="slidenum">
               <a:rPr lang="en-US" smtClean="0"/>
+              <a:pPr/>
               <a:t>‹#›</a:t>
             </a:fld>
             <a:endParaRPr lang="en-US"/>
@@ -629,7 +634,8 @@
           <a:p>
             <a:fld id="{777364C6-8202-CF4E-AE28-F11CA5C212C9}" type="datetimeFigureOut">
               <a:rPr lang="en-US" smtClean="0"/>
-              <a:t>1/9/16</a:t>
+              <a:pPr/>
+              <a:t>1/15/16</a:t>
             </a:fld>
             <a:endParaRPr lang="en-US"/>
           </a:p>
@@ -671,6 +677,7 @@
           <a:p>
             <a:fld id="{AB4423BC-E6F0-CD42-84AD-8915EEE2A9F0}" type="slidenum">
               <a:rPr lang="en-US" smtClean="0"/>
+              <a:pPr/>
               <a:t>‹#›</a:t>
             </a:fld>
             <a:endParaRPr lang="en-US"/>
@@ -794,7 +801,8 @@
           <a:p>
             <a:fld id="{777364C6-8202-CF4E-AE28-F11CA5C212C9}" type="datetimeFigureOut">
               <a:rPr lang="en-US" smtClean="0"/>
-              <a:t>1/9/16</a:t>
+              <a:pPr/>
+              <a:t>1/15/16</a:t>
             </a:fld>
             <a:endParaRPr lang="en-US"/>
           </a:p>
@@ -836,6 +844,7 @@
           <a:p>
             <a:fld id="{AB4423BC-E6F0-CD42-84AD-8915EEE2A9F0}" type="slidenum">
               <a:rPr lang="en-US" smtClean="0"/>
+              <a:pPr/>
               <a:t>‹#›</a:t>
             </a:fld>
             <a:endParaRPr lang="en-US"/>
@@ -1035,7 +1044,8 @@
           <a:p>
             <a:fld id="{777364C6-8202-CF4E-AE28-F11CA5C212C9}" type="datetimeFigureOut">
               <a:rPr lang="en-US" smtClean="0"/>
-              <a:t>1/9/16</a:t>
+              <a:pPr/>
+              <a:t>1/15/16</a:t>
             </a:fld>
             <a:endParaRPr lang="en-US"/>
           </a:p>
@@ -1077,6 +1087,7 @@
           <a:p>
             <a:fld id="{AB4423BC-E6F0-CD42-84AD-8915EEE2A9F0}" type="slidenum">
               <a:rPr lang="en-US" smtClean="0"/>
+              <a:pPr/>
               <a:t>‹#›</a:t>
             </a:fld>
             <a:endParaRPr lang="en-US"/>
@@ -1318,7 +1329,8 @@
           <a:p>
             <a:fld id="{777364C6-8202-CF4E-AE28-F11CA5C212C9}" type="datetimeFigureOut">
               <a:rPr lang="en-US" smtClean="0"/>
-              <a:t>1/9/16</a:t>
+              <a:pPr/>
+              <a:t>1/15/16</a:t>
             </a:fld>
             <a:endParaRPr lang="en-US"/>
           </a:p>
@@ -1360,6 +1372,7 @@
           <a:p>
             <a:fld id="{AB4423BC-E6F0-CD42-84AD-8915EEE2A9F0}" type="slidenum">
               <a:rPr lang="en-US" smtClean="0"/>
+              <a:pPr/>
               <a:t>‹#›</a:t>
             </a:fld>
             <a:endParaRPr lang="en-US"/>
@@ -1735,7 +1748,8 @@
           <a:p>
             <a:fld id="{777364C6-8202-CF4E-AE28-F11CA5C212C9}" type="datetimeFigureOut">
               <a:rPr lang="en-US" smtClean="0"/>
-              <a:t>1/9/16</a:t>
+              <a:pPr/>
+              <a:t>1/15/16</a:t>
             </a:fld>
             <a:endParaRPr lang="en-US"/>
           </a:p>
@@ -1777,6 +1791,7 @@
           <a:p>
             <a:fld id="{AB4423BC-E6F0-CD42-84AD-8915EEE2A9F0}" type="slidenum">
               <a:rPr lang="en-US" smtClean="0"/>
+              <a:pPr/>
               <a:t>‹#›</a:t>
             </a:fld>
             <a:endParaRPr lang="en-US"/>
@@ -1848,7 +1863,8 @@
           <a:p>
             <a:fld id="{777364C6-8202-CF4E-AE28-F11CA5C212C9}" type="datetimeFigureOut">
               <a:rPr lang="en-US" smtClean="0"/>
-              <a:t>1/9/16</a:t>
+              <a:pPr/>
+              <a:t>1/15/16</a:t>
             </a:fld>
             <a:endParaRPr lang="en-US"/>
           </a:p>
@@ -1890,6 +1906,7 @@
           <a:p>
             <a:fld id="{AB4423BC-E6F0-CD42-84AD-8915EEE2A9F0}" type="slidenum">
               <a:rPr lang="en-US" smtClean="0"/>
+              <a:pPr/>
               <a:t>‹#›</a:t>
             </a:fld>
             <a:endParaRPr lang="en-US"/>
@@ -1938,7 +1955,8 @@
           <a:p>
             <a:fld id="{777364C6-8202-CF4E-AE28-F11CA5C212C9}" type="datetimeFigureOut">
               <a:rPr lang="en-US" smtClean="0"/>
-              <a:t>1/9/16</a:t>
+              <a:pPr/>
+              <a:t>1/15/16</a:t>
             </a:fld>
             <a:endParaRPr lang="en-US"/>
           </a:p>
@@ -1980,6 +1998,7 @@
           <a:p>
             <a:fld id="{AB4423BC-E6F0-CD42-84AD-8915EEE2A9F0}" type="slidenum">
               <a:rPr lang="en-US" smtClean="0"/>
+              <a:pPr/>
               <a:t>‹#›</a:t>
             </a:fld>
             <a:endParaRPr lang="en-US"/>
@@ -2210,7 +2229,8 @@
           <a:p>
             <a:fld id="{777364C6-8202-CF4E-AE28-F11CA5C212C9}" type="datetimeFigureOut">
               <a:rPr lang="en-US" smtClean="0"/>
-              <a:t>1/9/16</a:t>
+              <a:pPr/>
+              <a:t>1/15/16</a:t>
             </a:fld>
             <a:endParaRPr lang="en-US"/>
           </a:p>
@@ -2252,6 +2272,7 @@
           <a:p>
             <a:fld id="{AB4423BC-E6F0-CD42-84AD-8915EEE2A9F0}" type="slidenum">
               <a:rPr lang="en-US" smtClean="0"/>
+              <a:pPr/>
               <a:t>‹#›</a:t>
             </a:fld>
             <a:endParaRPr lang="en-US"/>
@@ -2458,7 +2479,8 @@
           <a:p>
             <a:fld id="{777364C6-8202-CF4E-AE28-F11CA5C212C9}" type="datetimeFigureOut">
               <a:rPr lang="en-US" smtClean="0"/>
-              <a:t>1/9/16</a:t>
+              <a:pPr/>
+              <a:t>1/15/16</a:t>
             </a:fld>
             <a:endParaRPr lang="en-US"/>
           </a:p>
@@ -2500,6 +2522,7 @@
           <a:p>
             <a:fld id="{AB4423BC-E6F0-CD42-84AD-8915EEE2A9F0}" type="slidenum">
               <a:rPr lang="en-US" smtClean="0"/>
+              <a:pPr/>
               <a:t>‹#›</a:t>
             </a:fld>
             <a:endParaRPr lang="en-US"/>
@@ -2666,7 +2689,8 @@
           <a:p>
             <a:fld id="{777364C6-8202-CF4E-AE28-F11CA5C212C9}" type="datetimeFigureOut">
               <a:rPr lang="en-US" smtClean="0"/>
-              <a:t>1/9/16</a:t>
+              <a:pPr/>
+              <a:t>1/15/16</a:t>
             </a:fld>
             <a:endParaRPr lang="en-US"/>
           </a:p>
@@ -2744,6 +2768,7 @@
           <a:p>
             <a:fld id="{AB4423BC-E6F0-CD42-84AD-8915EEE2A9F0}" type="slidenum">
               <a:rPr lang="en-US" smtClean="0"/>
+              <a:pPr/>
               <a:t>‹#›</a:t>
             </a:fld>
             <a:endParaRPr lang="en-US"/>
@@ -3315,6 +3340,44 @@
           </a:prstGeom>
         </p:spPr>
       </p:pic>
+      <p:sp>
+        <p:nvSpPr>
+          <p:cNvPr id="13" name="TextBox 12"/>
+          <p:cNvSpPr txBox="1"/>
+          <p:nvPr/>
+        </p:nvSpPr>
+        <p:spPr>
+          <a:xfrm>
+            <a:off x="5414552" y="420489"/>
+            <a:ext cx="1001668" cy="276999"/>
+          </a:xfrm>
+          <a:prstGeom prst="rect">
+            <a:avLst/>
+          </a:prstGeom>
+          <a:solidFill>
+            <a:srgbClr val="FFFFFF"/>
+          </a:solidFill>
+        </p:spPr>
+        <p:txBody>
+          <a:bodyPr vert="horz" wrap="square" rtlCol="0">
+            <a:spAutoFit/>
+          </a:bodyPr>
+          <a:lstStyle/>
+          <a:p>
+            <a:r>
+              <a:rPr lang="en-US" sz="1200" b="1" dirty="0" smtClean="0">
+                <a:latin typeface="Helvetica"/>
+                <a:cs typeface="Helvetica"/>
+              </a:rPr>
+              <a:t>Trial Type:  </a:t>
+            </a:r>
+            <a:endParaRPr lang="en-US" sz="1200" b="1" dirty="0">
+              <a:latin typeface="Helvetica"/>
+              <a:cs typeface="Helvetica"/>
+            </a:endParaRPr>
+          </a:p>
+        </p:txBody>
+      </p:sp>
     </p:spTree>
   </p:cSld>
   <p:clrMapOvr>
@@ -3518,6 +3581,830 @@
                 <a:cs typeface="Helvetica"/>
               </a:rPr>
               <a:t>Negation</a:t>
+            </a:r>
+            <a:endParaRPr lang="en-US" sz="1400" dirty="0">
+              <a:latin typeface="Helvetica"/>
+              <a:cs typeface="Helvetica"/>
+            </a:endParaRPr>
+          </a:p>
+        </p:txBody>
+      </p:sp>
+      <p:sp>
+        <p:nvSpPr>
+          <p:cNvPr id="11" name="TextBox 10"/>
+          <p:cNvSpPr txBox="1"/>
+          <p:nvPr/>
+        </p:nvSpPr>
+        <p:spPr>
+          <a:xfrm>
+            <a:off x="7525984" y="1188877"/>
+            <a:ext cx="1001668" cy="276999"/>
+          </a:xfrm>
+          <a:prstGeom prst="rect">
+            <a:avLst/>
+          </a:prstGeom>
+          <a:solidFill>
+            <a:srgbClr val="FFFFFF"/>
+          </a:solidFill>
+        </p:spPr>
+        <p:txBody>
+          <a:bodyPr vert="horz" wrap="square" rtlCol="0">
+            <a:spAutoFit/>
+          </a:bodyPr>
+          <a:lstStyle/>
+          <a:p>
+            <a:r>
+              <a:rPr lang="en-US" sz="1200" b="1" dirty="0" smtClean="0">
+                <a:latin typeface="Helvetica"/>
+                <a:cs typeface="Helvetica"/>
+              </a:rPr>
+              <a:t>Trial Type:  </a:t>
+            </a:r>
+            <a:endParaRPr lang="en-US" sz="1200" b="1" dirty="0">
+              <a:latin typeface="Helvetica"/>
+              <a:cs typeface="Helvetica"/>
+            </a:endParaRPr>
+          </a:p>
+        </p:txBody>
+      </p:sp>
+    </p:spTree>
+  </p:cSld>
+  <p:clrMapOvr>
+    <a:masterClrMapping/>
+  </p:clrMapOvr>
+</p:sld>
+</file>
+
+<file path=ppt/slides/slide3.xml><?xml version="1.0" encoding="utf-8"?>
+<p:sld xmlns:a="http://schemas.openxmlformats.org/drawingml/2006/main" xmlns:r="http://schemas.openxmlformats.org/officeDocument/2006/relationships" xmlns:mc="http://schemas.openxmlformats.org/markup-compatibility/2006" xmlns:mv="urn:schemas-microsoft-com:mac:vml" xmlns:p="http://schemas.openxmlformats.org/presentationml/2006/main" mc:Ignorable="mv" mc:PreserveAttributes="mv:*">
+  <p:cSld>
+    <p:spTree>
+      <p:nvGrpSpPr>
+        <p:cNvPr id="1" name=""/>
+        <p:cNvGrpSpPr/>
+        <p:nvPr/>
+      </p:nvGrpSpPr>
+      <p:grpSpPr>
+        <a:xfrm>
+          <a:off x="0" y="0"/>
+          <a:ext cx="0" cy="0"/>
+          <a:chOff x="0" y="0"/>
+          <a:chExt cx="0" cy="0"/>
+        </a:xfrm>
+      </p:grpSpPr>
+      <p:pic>
+        <p:nvPicPr>
+          <p:cNvPr id="4" name="Picture 3" descr="propcorrect parvis-1.png"/>
+          <p:cNvPicPr>
+            <a:picLocks noChangeAspect="1"/>
+          </p:cNvPicPr>
+          <p:nvPr/>
+        </p:nvPicPr>
+        <p:blipFill>
+          <a:blip r:embed="rId2"/>
+          <a:srcRect l="2250" t="11043" r="24750" b="24294"/>
+          <a:stretch>
+            <a:fillRect/>
+          </a:stretch>
+        </p:blipFill>
+        <p:spPr>
+          <a:xfrm>
+            <a:off x="205740" y="591819"/>
+            <a:ext cx="4941332" cy="1486361"/>
+          </a:xfrm>
+          <a:prstGeom prst="rect">
+            <a:avLst/>
+          </a:prstGeom>
+        </p:spPr>
+      </p:pic>
+      <p:pic>
+        <p:nvPicPr>
+          <p:cNvPr id="5" name="Picture 4" descr="RT_adults parvis-1.png"/>
+          <p:cNvPicPr>
+            <a:picLocks noChangeAspect="1"/>
+          </p:cNvPicPr>
+          <p:nvPr/>
+        </p:nvPicPr>
+        <p:blipFill>
+          <a:blip r:embed="rId3"/>
+          <a:srcRect l="2250" t="11043" r="24750" b="26503"/>
+          <a:stretch>
+            <a:fillRect/>
+          </a:stretch>
+        </p:blipFill>
+        <p:spPr>
+          <a:xfrm>
+            <a:off x="205740" y="2078180"/>
+            <a:ext cx="4941332" cy="1435581"/>
+          </a:xfrm>
+          <a:prstGeom prst="rect">
+            <a:avLst/>
+          </a:prstGeom>
+        </p:spPr>
+      </p:pic>
+      <p:sp>
+        <p:nvSpPr>
+          <p:cNvPr id="6" name="TextBox 5"/>
+          <p:cNvSpPr txBox="1"/>
+          <p:nvPr/>
+        </p:nvSpPr>
+        <p:spPr>
+          <a:xfrm>
+            <a:off x="2004202" y="3871820"/>
+            <a:ext cx="1965960" cy="338554"/>
+          </a:xfrm>
+          <a:prstGeom prst="rect">
+            <a:avLst/>
+          </a:prstGeom>
+          <a:noFill/>
+        </p:spPr>
+        <p:txBody>
+          <a:bodyPr vert="horz" wrap="square" rtlCol="0">
+            <a:spAutoFit/>
+          </a:bodyPr>
+          <a:lstStyle/>
+          <a:p>
+            <a:pPr algn="ctr"/>
+            <a:r>
+              <a:rPr lang="en-US" sz="1600" dirty="0" smtClean="0">
+                <a:latin typeface="Helvetica"/>
+                <a:cs typeface="Helvetica"/>
+              </a:rPr>
+              <a:t>Age Group</a:t>
+            </a:r>
+            <a:endParaRPr lang="en-US" sz="1600" dirty="0">
+              <a:latin typeface="Helvetica"/>
+              <a:cs typeface="Helvetica"/>
+            </a:endParaRPr>
+          </a:p>
+        </p:txBody>
+      </p:sp>
+      <p:sp>
+        <p:nvSpPr>
+          <p:cNvPr id="7" name="TextBox 6"/>
+          <p:cNvSpPr txBox="1"/>
+          <p:nvPr/>
+        </p:nvSpPr>
+        <p:spPr>
+          <a:xfrm>
+            <a:off x="862926" y="3567801"/>
+            <a:ext cx="759338" cy="276999"/>
+          </a:xfrm>
+          <a:prstGeom prst="rect">
+            <a:avLst/>
+          </a:prstGeom>
+          <a:noFill/>
+        </p:spPr>
+        <p:txBody>
+          <a:bodyPr vert="horz" wrap="square" rtlCol="0">
+            <a:spAutoFit/>
+            <a:scene3d>
+              <a:camera prst="orthographicFront">
+                <a:rot lat="0" lon="0" rev="18900000"/>
+              </a:camera>
+              <a:lightRig rig="threePt" dir="t"/>
+            </a:scene3d>
+          </a:bodyPr>
+          <a:lstStyle/>
+          <a:p>
+            <a:pPr algn="ctr"/>
+            <a:r>
+              <a:rPr lang="en-US" sz="1200" dirty="0" smtClean="0">
+                <a:latin typeface="Helvetica"/>
+                <a:cs typeface="Helvetica"/>
+              </a:rPr>
+              <a:t>4 years</a:t>
+            </a:r>
+            <a:endParaRPr lang="en-US" sz="1200" dirty="0">
+              <a:latin typeface="Helvetica"/>
+              <a:cs typeface="Helvetica"/>
+            </a:endParaRPr>
+          </a:p>
+        </p:txBody>
+      </p:sp>
+      <p:sp>
+        <p:nvSpPr>
+          <p:cNvPr id="8" name="TextBox 7"/>
+          <p:cNvSpPr txBox="1"/>
+          <p:nvPr/>
+        </p:nvSpPr>
+        <p:spPr>
+          <a:xfrm>
+            <a:off x="1162335" y="3567801"/>
+            <a:ext cx="759338" cy="276999"/>
+          </a:xfrm>
+          <a:prstGeom prst="rect">
+            <a:avLst/>
+          </a:prstGeom>
+          <a:noFill/>
+        </p:spPr>
+        <p:txBody>
+          <a:bodyPr vert="horz" wrap="square" rtlCol="0">
+            <a:spAutoFit/>
+            <a:scene3d>
+              <a:camera prst="orthographicFront">
+                <a:rot lat="0" lon="0" rev="18900000"/>
+              </a:camera>
+              <a:lightRig rig="threePt" dir="t"/>
+            </a:scene3d>
+          </a:bodyPr>
+          <a:lstStyle/>
+          <a:p>
+            <a:pPr algn="ctr"/>
+            <a:r>
+              <a:rPr lang="en-US" sz="1200" dirty="0" smtClean="0">
+                <a:latin typeface="Helvetica"/>
+                <a:cs typeface="Helvetica"/>
+              </a:rPr>
+              <a:t>5 years</a:t>
+            </a:r>
+            <a:endParaRPr lang="en-US" sz="1200" dirty="0">
+              <a:latin typeface="Helvetica"/>
+              <a:cs typeface="Helvetica"/>
+            </a:endParaRPr>
+          </a:p>
+        </p:txBody>
+      </p:sp>
+      <p:sp>
+        <p:nvSpPr>
+          <p:cNvPr id="9" name="TextBox 8"/>
+          <p:cNvSpPr txBox="1"/>
+          <p:nvPr/>
+        </p:nvSpPr>
+        <p:spPr>
+          <a:xfrm>
+            <a:off x="1475256" y="3567801"/>
+            <a:ext cx="759338" cy="276999"/>
+          </a:xfrm>
+          <a:prstGeom prst="rect">
+            <a:avLst/>
+          </a:prstGeom>
+          <a:noFill/>
+        </p:spPr>
+        <p:txBody>
+          <a:bodyPr vert="horz" wrap="square" rtlCol="0">
+            <a:spAutoFit/>
+            <a:scene3d>
+              <a:camera prst="orthographicFront">
+                <a:rot lat="0" lon="0" rev="18900000"/>
+              </a:camera>
+              <a:lightRig rig="threePt" dir="t"/>
+            </a:scene3d>
+          </a:bodyPr>
+          <a:lstStyle/>
+          <a:p>
+            <a:pPr algn="ctr"/>
+            <a:r>
+              <a:rPr lang="en-US" sz="1200" dirty="0" smtClean="0">
+                <a:latin typeface="Helvetica"/>
+                <a:cs typeface="Helvetica"/>
+              </a:rPr>
+              <a:t>6 years</a:t>
+            </a:r>
+            <a:endParaRPr lang="en-US" sz="1200" dirty="0">
+              <a:latin typeface="Helvetica"/>
+              <a:cs typeface="Helvetica"/>
+            </a:endParaRPr>
+          </a:p>
+        </p:txBody>
+      </p:sp>
+      <p:sp>
+        <p:nvSpPr>
+          <p:cNvPr id="10" name="TextBox 9"/>
+          <p:cNvSpPr txBox="1"/>
+          <p:nvPr/>
+        </p:nvSpPr>
+        <p:spPr>
+          <a:xfrm>
+            <a:off x="1788176" y="3567801"/>
+            <a:ext cx="759338" cy="276999"/>
+          </a:xfrm>
+          <a:prstGeom prst="rect">
+            <a:avLst/>
+          </a:prstGeom>
+          <a:noFill/>
+        </p:spPr>
+        <p:txBody>
+          <a:bodyPr vert="horz" wrap="square" rtlCol="0">
+            <a:spAutoFit/>
+            <a:scene3d>
+              <a:camera prst="orthographicFront">
+                <a:rot lat="0" lon="0" rev="18900000"/>
+              </a:camera>
+              <a:lightRig rig="threePt" dir="t"/>
+            </a:scene3d>
+          </a:bodyPr>
+          <a:lstStyle/>
+          <a:p>
+            <a:pPr algn="ctr"/>
+            <a:r>
+              <a:rPr lang="en-US" sz="1200" dirty="0" smtClean="0">
+                <a:latin typeface="Helvetica"/>
+                <a:cs typeface="Helvetica"/>
+              </a:rPr>
+              <a:t>Adults</a:t>
+            </a:r>
+            <a:endParaRPr lang="en-US" sz="1200" dirty="0">
+              <a:latin typeface="Helvetica"/>
+              <a:cs typeface="Helvetica"/>
+            </a:endParaRPr>
+          </a:p>
+        </p:txBody>
+      </p:sp>
+      <p:sp>
+        <p:nvSpPr>
+          <p:cNvPr id="11" name="TextBox 10"/>
+          <p:cNvSpPr txBox="1"/>
+          <p:nvPr/>
+        </p:nvSpPr>
+        <p:spPr>
+          <a:xfrm>
+            <a:off x="2261618" y="3567801"/>
+            <a:ext cx="759338" cy="276999"/>
+          </a:xfrm>
+          <a:prstGeom prst="rect">
+            <a:avLst/>
+          </a:prstGeom>
+          <a:noFill/>
+        </p:spPr>
+        <p:txBody>
+          <a:bodyPr vert="horz" wrap="square" rtlCol="0">
+            <a:spAutoFit/>
+            <a:scene3d>
+              <a:camera prst="orthographicFront">
+                <a:rot lat="0" lon="0" rev="18900000"/>
+              </a:camera>
+              <a:lightRig rig="threePt" dir="t"/>
+            </a:scene3d>
+          </a:bodyPr>
+          <a:lstStyle/>
+          <a:p>
+            <a:pPr algn="ctr"/>
+            <a:r>
+              <a:rPr lang="en-US" sz="1200" dirty="0" smtClean="0">
+                <a:latin typeface="Helvetica"/>
+                <a:cs typeface="Helvetica"/>
+              </a:rPr>
+              <a:t>4 years</a:t>
+            </a:r>
+            <a:endParaRPr lang="en-US" sz="1200" dirty="0">
+              <a:latin typeface="Helvetica"/>
+              <a:cs typeface="Helvetica"/>
+            </a:endParaRPr>
+          </a:p>
+        </p:txBody>
+      </p:sp>
+      <p:sp>
+        <p:nvSpPr>
+          <p:cNvPr id="12" name="TextBox 11"/>
+          <p:cNvSpPr txBox="1"/>
+          <p:nvPr/>
+        </p:nvSpPr>
+        <p:spPr>
+          <a:xfrm>
+            <a:off x="2574539" y="3567801"/>
+            <a:ext cx="759338" cy="276999"/>
+          </a:xfrm>
+          <a:prstGeom prst="rect">
+            <a:avLst/>
+          </a:prstGeom>
+          <a:noFill/>
+        </p:spPr>
+        <p:txBody>
+          <a:bodyPr vert="horz" wrap="square" rtlCol="0">
+            <a:spAutoFit/>
+            <a:scene3d>
+              <a:camera prst="orthographicFront">
+                <a:rot lat="0" lon="0" rev="18900000"/>
+              </a:camera>
+              <a:lightRig rig="threePt" dir="t"/>
+            </a:scene3d>
+          </a:bodyPr>
+          <a:lstStyle/>
+          <a:p>
+            <a:pPr algn="ctr"/>
+            <a:r>
+              <a:rPr lang="en-US" sz="1200" dirty="0" smtClean="0">
+                <a:latin typeface="Helvetica"/>
+                <a:cs typeface="Helvetica"/>
+              </a:rPr>
+              <a:t>5 years</a:t>
+            </a:r>
+            <a:endParaRPr lang="en-US" sz="1200" dirty="0">
+              <a:latin typeface="Helvetica"/>
+              <a:cs typeface="Helvetica"/>
+            </a:endParaRPr>
+          </a:p>
+        </p:txBody>
+      </p:sp>
+      <p:sp>
+        <p:nvSpPr>
+          <p:cNvPr id="13" name="TextBox 12"/>
+          <p:cNvSpPr txBox="1"/>
+          <p:nvPr/>
+        </p:nvSpPr>
+        <p:spPr>
+          <a:xfrm>
+            <a:off x="2887460" y="3567801"/>
+            <a:ext cx="759338" cy="276999"/>
+          </a:xfrm>
+          <a:prstGeom prst="rect">
+            <a:avLst/>
+          </a:prstGeom>
+          <a:noFill/>
+        </p:spPr>
+        <p:txBody>
+          <a:bodyPr vert="horz" wrap="square" rtlCol="0">
+            <a:spAutoFit/>
+            <a:scene3d>
+              <a:camera prst="orthographicFront">
+                <a:rot lat="0" lon="0" rev="18900000"/>
+              </a:camera>
+              <a:lightRig rig="threePt" dir="t"/>
+            </a:scene3d>
+          </a:bodyPr>
+          <a:lstStyle/>
+          <a:p>
+            <a:pPr algn="ctr"/>
+            <a:r>
+              <a:rPr lang="en-US" sz="1200" dirty="0" smtClean="0">
+                <a:latin typeface="Helvetica"/>
+                <a:cs typeface="Helvetica"/>
+              </a:rPr>
+              <a:t>6 years</a:t>
+            </a:r>
+            <a:endParaRPr lang="en-US" sz="1200" dirty="0">
+              <a:latin typeface="Helvetica"/>
+              <a:cs typeface="Helvetica"/>
+            </a:endParaRPr>
+          </a:p>
+        </p:txBody>
+      </p:sp>
+      <p:sp>
+        <p:nvSpPr>
+          <p:cNvPr id="14" name="TextBox 13"/>
+          <p:cNvSpPr txBox="1"/>
+          <p:nvPr/>
+        </p:nvSpPr>
+        <p:spPr>
+          <a:xfrm>
+            <a:off x="3200380" y="3567801"/>
+            <a:ext cx="759338" cy="276999"/>
+          </a:xfrm>
+          <a:prstGeom prst="rect">
+            <a:avLst/>
+          </a:prstGeom>
+          <a:noFill/>
+        </p:spPr>
+        <p:txBody>
+          <a:bodyPr vert="horz" wrap="square" rtlCol="0">
+            <a:spAutoFit/>
+            <a:scene3d>
+              <a:camera prst="orthographicFront">
+                <a:rot lat="0" lon="0" rev="18900000"/>
+              </a:camera>
+              <a:lightRig rig="threePt" dir="t"/>
+            </a:scene3d>
+          </a:bodyPr>
+          <a:lstStyle/>
+          <a:p>
+            <a:pPr algn="ctr"/>
+            <a:r>
+              <a:rPr lang="en-US" sz="1200" dirty="0" smtClean="0">
+                <a:latin typeface="Helvetica"/>
+                <a:cs typeface="Helvetica"/>
+              </a:rPr>
+              <a:t>Adults</a:t>
+            </a:r>
+            <a:endParaRPr lang="en-US" sz="1200" dirty="0">
+              <a:latin typeface="Helvetica"/>
+              <a:cs typeface="Helvetica"/>
+            </a:endParaRPr>
+          </a:p>
+        </p:txBody>
+      </p:sp>
+      <p:sp>
+        <p:nvSpPr>
+          <p:cNvPr id="15" name="TextBox 14"/>
+          <p:cNvSpPr txBox="1"/>
+          <p:nvPr/>
+        </p:nvSpPr>
+        <p:spPr>
+          <a:xfrm>
+            <a:off x="3700846" y="3567801"/>
+            <a:ext cx="759338" cy="276999"/>
+          </a:xfrm>
+          <a:prstGeom prst="rect">
+            <a:avLst/>
+          </a:prstGeom>
+          <a:noFill/>
+        </p:spPr>
+        <p:txBody>
+          <a:bodyPr vert="horz" wrap="square" rtlCol="0">
+            <a:spAutoFit/>
+            <a:scene3d>
+              <a:camera prst="orthographicFront">
+                <a:rot lat="0" lon="0" rev="18900000"/>
+              </a:camera>
+              <a:lightRig rig="threePt" dir="t"/>
+            </a:scene3d>
+          </a:bodyPr>
+          <a:lstStyle/>
+          <a:p>
+            <a:pPr algn="ctr"/>
+            <a:r>
+              <a:rPr lang="en-US" sz="1200" dirty="0" smtClean="0">
+                <a:latin typeface="Helvetica"/>
+                <a:cs typeface="Helvetica"/>
+              </a:rPr>
+              <a:t>4 years</a:t>
+            </a:r>
+            <a:endParaRPr lang="en-US" sz="1200" dirty="0">
+              <a:latin typeface="Helvetica"/>
+              <a:cs typeface="Helvetica"/>
+            </a:endParaRPr>
+          </a:p>
+        </p:txBody>
+      </p:sp>
+      <p:sp>
+        <p:nvSpPr>
+          <p:cNvPr id="16" name="TextBox 15"/>
+          <p:cNvSpPr txBox="1"/>
+          <p:nvPr/>
+        </p:nvSpPr>
+        <p:spPr>
+          <a:xfrm>
+            <a:off x="4013767" y="3567801"/>
+            <a:ext cx="759338" cy="276999"/>
+          </a:xfrm>
+          <a:prstGeom prst="rect">
+            <a:avLst/>
+          </a:prstGeom>
+          <a:noFill/>
+        </p:spPr>
+        <p:txBody>
+          <a:bodyPr vert="horz" wrap="square" rtlCol="0">
+            <a:spAutoFit/>
+            <a:scene3d>
+              <a:camera prst="orthographicFront">
+                <a:rot lat="0" lon="0" rev="18900000"/>
+              </a:camera>
+              <a:lightRig rig="threePt" dir="t"/>
+            </a:scene3d>
+          </a:bodyPr>
+          <a:lstStyle/>
+          <a:p>
+            <a:pPr algn="ctr"/>
+            <a:r>
+              <a:rPr lang="en-US" sz="1200" dirty="0" smtClean="0">
+                <a:latin typeface="Helvetica"/>
+                <a:cs typeface="Helvetica"/>
+              </a:rPr>
+              <a:t>5 years</a:t>
+            </a:r>
+            <a:endParaRPr lang="en-US" sz="1200" dirty="0">
+              <a:latin typeface="Helvetica"/>
+              <a:cs typeface="Helvetica"/>
+            </a:endParaRPr>
+          </a:p>
+        </p:txBody>
+      </p:sp>
+      <p:sp>
+        <p:nvSpPr>
+          <p:cNvPr id="17" name="TextBox 16"/>
+          <p:cNvSpPr txBox="1"/>
+          <p:nvPr/>
+        </p:nvSpPr>
+        <p:spPr>
+          <a:xfrm>
+            <a:off x="4326688" y="3567801"/>
+            <a:ext cx="759338" cy="276999"/>
+          </a:xfrm>
+          <a:prstGeom prst="rect">
+            <a:avLst/>
+          </a:prstGeom>
+          <a:noFill/>
+        </p:spPr>
+        <p:txBody>
+          <a:bodyPr vert="horz" wrap="square" rtlCol="0">
+            <a:spAutoFit/>
+            <a:scene3d>
+              <a:camera prst="orthographicFront">
+                <a:rot lat="0" lon="0" rev="18900000"/>
+              </a:camera>
+              <a:lightRig rig="threePt" dir="t"/>
+            </a:scene3d>
+          </a:bodyPr>
+          <a:lstStyle/>
+          <a:p>
+            <a:pPr algn="ctr"/>
+            <a:r>
+              <a:rPr lang="en-US" sz="1200" dirty="0" smtClean="0">
+                <a:latin typeface="Helvetica"/>
+                <a:cs typeface="Helvetica"/>
+              </a:rPr>
+              <a:t>6 years</a:t>
+            </a:r>
+            <a:endParaRPr lang="en-US" sz="1200" dirty="0">
+              <a:latin typeface="Helvetica"/>
+              <a:cs typeface="Helvetica"/>
+            </a:endParaRPr>
+          </a:p>
+        </p:txBody>
+      </p:sp>
+      <p:sp>
+        <p:nvSpPr>
+          <p:cNvPr id="18" name="TextBox 17"/>
+          <p:cNvSpPr txBox="1"/>
+          <p:nvPr/>
+        </p:nvSpPr>
+        <p:spPr>
+          <a:xfrm>
+            <a:off x="4639608" y="3567801"/>
+            <a:ext cx="759338" cy="276999"/>
+          </a:xfrm>
+          <a:prstGeom prst="rect">
+            <a:avLst/>
+          </a:prstGeom>
+          <a:noFill/>
+        </p:spPr>
+        <p:txBody>
+          <a:bodyPr vert="horz" wrap="square" rtlCol="0">
+            <a:spAutoFit/>
+            <a:scene3d>
+              <a:camera prst="orthographicFront">
+                <a:rot lat="0" lon="0" rev="18900000"/>
+              </a:camera>
+              <a:lightRig rig="threePt" dir="t"/>
+            </a:scene3d>
+          </a:bodyPr>
+          <a:lstStyle/>
+          <a:p>
+            <a:pPr algn="ctr"/>
+            <a:r>
+              <a:rPr lang="en-US" sz="1200" dirty="0" smtClean="0">
+                <a:latin typeface="Helvetica"/>
+                <a:cs typeface="Helvetica"/>
+              </a:rPr>
+              <a:t>Adults</a:t>
+            </a:r>
+            <a:endParaRPr lang="en-US" sz="1200" dirty="0">
+              <a:latin typeface="Helvetica"/>
+              <a:cs typeface="Helvetica"/>
+            </a:endParaRPr>
+          </a:p>
+        </p:txBody>
+      </p:sp>
+      <p:pic>
+        <p:nvPicPr>
+          <p:cNvPr id="19" name="Picture 18" descr="RT_adults parvis-1.png"/>
+          <p:cNvPicPr>
+            <a:picLocks noChangeAspect="1"/>
+          </p:cNvPicPr>
+          <p:nvPr/>
+        </p:nvPicPr>
+        <p:blipFill>
+          <a:blip r:embed="rId3"/>
+          <a:srcRect l="78000" t="35337" r="16500" b="48589"/>
+          <a:stretch>
+            <a:fillRect/>
+          </a:stretch>
+        </p:blipFill>
+        <p:spPr>
+          <a:xfrm>
+            <a:off x="2376148" y="168308"/>
+            <a:ext cx="372299" cy="369471"/>
+          </a:xfrm>
+          <a:prstGeom prst="rect">
+            <a:avLst/>
+          </a:prstGeom>
+        </p:spPr>
+      </p:pic>
+      <p:pic>
+        <p:nvPicPr>
+          <p:cNvPr id="20" name="Picture 19" descr="RT_adults parvis-1.png"/>
+          <p:cNvPicPr>
+            <a:picLocks noChangeAspect="1"/>
+          </p:cNvPicPr>
+          <p:nvPr/>
+        </p:nvPicPr>
+        <p:blipFill>
+          <a:blip r:embed="rId3"/>
+          <a:srcRect l="78000" t="50798" r="16500" b="33129"/>
+          <a:stretch>
+            <a:fillRect/>
+          </a:stretch>
+        </p:blipFill>
+        <p:spPr>
+          <a:xfrm>
+            <a:off x="3504203" y="195324"/>
+            <a:ext cx="372299" cy="369475"/>
+          </a:xfrm>
+          <a:prstGeom prst="rect">
+            <a:avLst/>
+          </a:prstGeom>
+        </p:spPr>
+      </p:pic>
+      <p:sp>
+        <p:nvSpPr>
+          <p:cNvPr id="21" name="TextBox 20"/>
+          <p:cNvSpPr txBox="1"/>
+          <p:nvPr/>
+        </p:nvSpPr>
+        <p:spPr>
+          <a:xfrm>
+            <a:off x="1308822" y="216492"/>
+            <a:ext cx="1965960" cy="307777"/>
+          </a:xfrm>
+          <a:prstGeom prst="rect">
+            <a:avLst/>
+          </a:prstGeom>
+          <a:noFill/>
+        </p:spPr>
+        <p:txBody>
+          <a:bodyPr vert="horz" wrap="square" rtlCol="0">
+            <a:spAutoFit/>
+          </a:bodyPr>
+          <a:lstStyle/>
+          <a:p>
+            <a:r>
+              <a:rPr lang="en-US" sz="1400" b="1" dirty="0" smtClean="0">
+                <a:latin typeface="Helvetica"/>
+                <a:cs typeface="Helvetica"/>
+              </a:rPr>
+              <a:t>Trial Type:  </a:t>
+            </a:r>
+            <a:endParaRPr lang="en-US" sz="1400" b="1" dirty="0">
+              <a:latin typeface="Helvetica"/>
+              <a:cs typeface="Helvetica"/>
+            </a:endParaRPr>
+          </a:p>
+        </p:txBody>
+      </p:sp>
+      <p:sp>
+        <p:nvSpPr>
+          <p:cNvPr id="22" name="TextBox 21"/>
+          <p:cNvSpPr txBox="1"/>
+          <p:nvPr/>
+        </p:nvSpPr>
+        <p:spPr>
+          <a:xfrm>
+            <a:off x="2685016" y="216492"/>
+            <a:ext cx="839652" cy="307777"/>
+          </a:xfrm>
+          <a:prstGeom prst="rect">
+            <a:avLst/>
+          </a:prstGeom>
+          <a:noFill/>
+        </p:spPr>
+        <p:txBody>
+          <a:bodyPr vert="horz" wrap="square" rtlCol="0">
+            <a:spAutoFit/>
+          </a:bodyPr>
+          <a:lstStyle/>
+          <a:p>
+            <a:r>
+              <a:rPr lang="en-US" sz="1400" dirty="0" smtClean="0">
+                <a:latin typeface="Helvetica"/>
+                <a:cs typeface="Helvetica"/>
+              </a:rPr>
+              <a:t>Control</a:t>
+            </a:r>
+            <a:endParaRPr lang="en-US" sz="1400" dirty="0">
+              <a:latin typeface="Helvetica"/>
+              <a:cs typeface="Helvetica"/>
+            </a:endParaRPr>
+          </a:p>
+        </p:txBody>
+      </p:sp>
+      <p:sp>
+        <p:nvSpPr>
+          <p:cNvPr id="23" name="TextBox 22"/>
+          <p:cNvSpPr txBox="1"/>
+          <p:nvPr/>
+        </p:nvSpPr>
+        <p:spPr>
+          <a:xfrm>
+            <a:off x="3826980" y="216492"/>
+            <a:ext cx="839652" cy="307777"/>
+          </a:xfrm>
+          <a:prstGeom prst="rect">
+            <a:avLst/>
+          </a:prstGeom>
+          <a:noFill/>
+        </p:spPr>
+        <p:txBody>
+          <a:bodyPr vert="horz" wrap="square" rtlCol="0">
+            <a:spAutoFit/>
+          </a:bodyPr>
+          <a:lstStyle/>
+          <a:p>
+            <a:r>
+              <a:rPr lang="en-US" sz="1400" dirty="0" smtClean="0">
+                <a:latin typeface="Helvetica"/>
+                <a:cs typeface="Helvetica"/>
+              </a:rPr>
+              <a:t>Target</a:t>
             </a:r>
             <a:endParaRPr lang="en-US" sz="1400" dirty="0">
               <a:latin typeface="Helvetica"/>

--- a/writing/cogsci/figures/figures.pptx
+++ b/writing/cogsci/figures/figures.pptx
@@ -291,7 +291,7 @@
             <a:fld id="{777364C6-8202-CF4E-AE28-F11CA5C212C9}" type="datetimeFigureOut">
               <a:rPr lang="en-US" smtClean="0"/>
               <a:pPr/>
-              <a:t>1/15/16</a:t>
+              <a:t>1/22/16</a:t>
             </a:fld>
             <a:endParaRPr lang="en-US"/>
           </a:p>
@@ -458,7 +458,7 @@
             <a:fld id="{777364C6-8202-CF4E-AE28-F11CA5C212C9}" type="datetimeFigureOut">
               <a:rPr lang="en-US" smtClean="0"/>
               <a:pPr/>
-              <a:t>1/15/16</a:t>
+              <a:t>1/22/16</a:t>
             </a:fld>
             <a:endParaRPr lang="en-US"/>
           </a:p>
@@ -635,7 +635,7 @@
             <a:fld id="{777364C6-8202-CF4E-AE28-F11CA5C212C9}" type="datetimeFigureOut">
               <a:rPr lang="en-US" smtClean="0"/>
               <a:pPr/>
-              <a:t>1/15/16</a:t>
+              <a:t>1/22/16</a:t>
             </a:fld>
             <a:endParaRPr lang="en-US"/>
           </a:p>
@@ -802,7 +802,7 @@
             <a:fld id="{777364C6-8202-CF4E-AE28-F11CA5C212C9}" type="datetimeFigureOut">
               <a:rPr lang="en-US" smtClean="0"/>
               <a:pPr/>
-              <a:t>1/15/16</a:t>
+              <a:t>1/22/16</a:t>
             </a:fld>
             <a:endParaRPr lang="en-US"/>
           </a:p>
@@ -1045,7 +1045,7 @@
             <a:fld id="{777364C6-8202-CF4E-AE28-F11CA5C212C9}" type="datetimeFigureOut">
               <a:rPr lang="en-US" smtClean="0"/>
               <a:pPr/>
-              <a:t>1/15/16</a:t>
+              <a:t>1/22/16</a:t>
             </a:fld>
             <a:endParaRPr lang="en-US"/>
           </a:p>
@@ -1330,7 +1330,7 @@
             <a:fld id="{777364C6-8202-CF4E-AE28-F11CA5C212C9}" type="datetimeFigureOut">
               <a:rPr lang="en-US" smtClean="0"/>
               <a:pPr/>
-              <a:t>1/15/16</a:t>
+              <a:t>1/22/16</a:t>
             </a:fld>
             <a:endParaRPr lang="en-US"/>
           </a:p>
@@ -1749,7 +1749,7 @@
             <a:fld id="{777364C6-8202-CF4E-AE28-F11CA5C212C9}" type="datetimeFigureOut">
               <a:rPr lang="en-US" smtClean="0"/>
               <a:pPr/>
-              <a:t>1/15/16</a:t>
+              <a:t>1/22/16</a:t>
             </a:fld>
             <a:endParaRPr lang="en-US"/>
           </a:p>
@@ -1864,7 +1864,7 @@
             <a:fld id="{777364C6-8202-CF4E-AE28-F11CA5C212C9}" type="datetimeFigureOut">
               <a:rPr lang="en-US" smtClean="0"/>
               <a:pPr/>
-              <a:t>1/15/16</a:t>
+              <a:t>1/22/16</a:t>
             </a:fld>
             <a:endParaRPr lang="en-US"/>
           </a:p>
@@ -1956,7 +1956,7 @@
             <a:fld id="{777364C6-8202-CF4E-AE28-F11CA5C212C9}" type="datetimeFigureOut">
               <a:rPr lang="en-US" smtClean="0"/>
               <a:pPr/>
-              <a:t>1/15/16</a:t>
+              <a:t>1/22/16</a:t>
             </a:fld>
             <a:endParaRPr lang="en-US"/>
           </a:p>
@@ -2230,7 +2230,7 @@
             <a:fld id="{777364C6-8202-CF4E-AE28-F11CA5C212C9}" type="datetimeFigureOut">
               <a:rPr lang="en-US" smtClean="0"/>
               <a:pPr/>
-              <a:t>1/15/16</a:t>
+              <a:t>1/22/16</a:t>
             </a:fld>
             <a:endParaRPr lang="en-US"/>
           </a:p>
@@ -2480,7 +2480,7 @@
             <a:fld id="{777364C6-8202-CF4E-AE28-F11CA5C212C9}" type="datetimeFigureOut">
               <a:rPr lang="en-US" smtClean="0"/>
               <a:pPr/>
-              <a:t>1/15/16</a:t>
+              <a:t>1/22/16</a:t>
             </a:fld>
             <a:endParaRPr lang="en-US"/>
           </a:p>
@@ -2690,7 +2690,7 @@
             <a:fld id="{777364C6-8202-CF4E-AE28-F11CA5C212C9}" type="datetimeFigureOut">
               <a:rPr lang="en-US" smtClean="0"/>
               <a:pPr/>
-              <a:t>1/15/16</a:t>
+              <a:t>1/22/16</a:t>
             </a:fld>
             <a:endParaRPr lang="en-US"/>
           </a:p>
@@ -3063,7 +3063,7 @@
       </p:grpSpPr>
       <p:pic>
         <p:nvPicPr>
-          <p:cNvPr id="4" name="Picture 3" descr="parvis-1.png"/>
+          <p:cNvPr id="15" name="Picture 14" descr="parvis-1.png"/>
           <p:cNvPicPr>
             <a:picLocks noChangeAspect="1"/>
           </p:cNvPicPr>
@@ -3071,15 +3071,15 @@
         </p:nvPicPr>
         <p:blipFill>
           <a:blip r:embed="rId2"/>
-          <a:srcRect l="21136" t="2143" r="21477" b="1071"/>
+          <a:srcRect l="20795" t="1875" r="21136" b="1607"/>
           <a:stretch>
             <a:fillRect/>
           </a:stretch>
         </p:blipFill>
         <p:spPr>
           <a:xfrm>
-            <a:off x="939687" y="474529"/>
-            <a:ext cx="5247536" cy="5632714"/>
+            <a:off x="908910" y="426484"/>
+            <a:ext cx="5309966" cy="5617108"/>
           </a:xfrm>
           <a:prstGeom prst="rect">
             <a:avLst/>
@@ -3212,7 +3212,7 @@
         </p:nvSpPr>
         <p:spPr>
           <a:xfrm>
-            <a:off x="508800" y="555621"/>
+            <a:off x="536710" y="555621"/>
             <a:ext cx="400110" cy="1274054"/>
           </a:xfrm>
           <a:prstGeom prst="rect">
@@ -3249,7 +3249,7 @@
         </p:nvSpPr>
         <p:spPr>
           <a:xfrm>
-            <a:off x="508800" y="2481091"/>
+            <a:off x="536710" y="2481091"/>
             <a:ext cx="400110" cy="1274054"/>
           </a:xfrm>
           <a:prstGeom prst="rect">
@@ -3286,7 +3286,7 @@
         </p:nvSpPr>
         <p:spPr>
           <a:xfrm>
-            <a:off x="508800" y="4420071"/>
+            <a:off x="536710" y="4420071"/>
             <a:ext cx="400110" cy="1274054"/>
           </a:xfrm>
           <a:prstGeom prst="rect">
@@ -3405,7 +3405,7 @@
       </p:grpSpPr>
       <p:pic>
         <p:nvPicPr>
-          <p:cNvPr id="4" name="Picture 3" descr="viszoom-1.png"/>
+          <p:cNvPr id="15" name="Picture 14" descr="viszoom-3.png"/>
           <p:cNvPicPr>
             <a:picLocks noChangeAspect="1"/>
           </p:cNvPicPr>
@@ -3413,24 +3413,173 @@
         </p:nvPicPr>
         <p:blipFill>
           <a:blip r:embed="rId2"/>
-          <a:srcRect l="1875" t="5000" r="30938" b="2500"/>
+          <a:srcRect l="71250" t="32500" r="9375" b="43750"/>
           <a:stretch>
             <a:fillRect/>
           </a:stretch>
         </p:blipFill>
         <p:spPr>
           <a:xfrm>
-            <a:off x="327277" y="580477"/>
-            <a:ext cx="2388877" cy="2466390"/>
+            <a:off x="7593339" y="1283447"/>
+            <a:ext cx="731633" cy="672326"/>
           </a:xfrm>
           <a:prstGeom prst="rect">
             <a:avLst/>
           </a:prstGeom>
         </p:spPr>
       </p:pic>
+      <p:sp>
+        <p:nvSpPr>
+          <p:cNvPr id="7" name="TextBox 6"/>
+          <p:cNvSpPr txBox="1"/>
+          <p:nvPr/>
+        </p:nvSpPr>
+        <p:spPr>
+          <a:xfrm>
+            <a:off x="723170" y="272700"/>
+            <a:ext cx="1965960" cy="307777"/>
+          </a:xfrm>
+          <a:prstGeom prst="rect">
+            <a:avLst/>
+          </a:prstGeom>
+          <a:noFill/>
+        </p:spPr>
+        <p:txBody>
+          <a:bodyPr vert="horz" wrap="square" rtlCol="0">
+            <a:spAutoFit/>
+          </a:bodyPr>
+          <a:lstStyle/>
+          <a:p>
+            <a:pPr algn="ctr"/>
+            <a:r>
+              <a:rPr lang="en-US" sz="1400" dirty="0" smtClean="0">
+                <a:latin typeface="Helvetica"/>
+                <a:cs typeface="Helvetica"/>
+              </a:rPr>
+              <a:t>Inhibition</a:t>
+            </a:r>
+            <a:endParaRPr lang="en-US" sz="1400" dirty="0">
+              <a:latin typeface="Helvetica"/>
+              <a:cs typeface="Helvetica"/>
+            </a:endParaRPr>
+          </a:p>
+        </p:txBody>
+      </p:sp>
+      <p:sp>
+        <p:nvSpPr>
+          <p:cNvPr id="8" name="TextBox 7"/>
+          <p:cNvSpPr txBox="1"/>
+          <p:nvPr/>
+        </p:nvSpPr>
+        <p:spPr>
+          <a:xfrm>
+            <a:off x="3075488" y="272700"/>
+            <a:ext cx="1965960" cy="307777"/>
+          </a:xfrm>
+          <a:prstGeom prst="rect">
+            <a:avLst/>
+          </a:prstGeom>
+          <a:noFill/>
+        </p:spPr>
+        <p:txBody>
+          <a:bodyPr vert="horz" wrap="square" rtlCol="0">
+            <a:spAutoFit/>
+          </a:bodyPr>
+          <a:lstStyle/>
+          <a:p>
+            <a:pPr algn="ctr"/>
+            <a:r>
+              <a:rPr lang="en-US" sz="1400" dirty="0" err="1" smtClean="0">
+                <a:latin typeface="Helvetica"/>
+                <a:cs typeface="Helvetica"/>
+              </a:rPr>
+              <a:t>Implicature</a:t>
+            </a:r>
+            <a:endParaRPr lang="en-US" sz="1400" dirty="0">
+              <a:latin typeface="Helvetica"/>
+              <a:cs typeface="Helvetica"/>
+            </a:endParaRPr>
+          </a:p>
+        </p:txBody>
+      </p:sp>
+      <p:sp>
+        <p:nvSpPr>
+          <p:cNvPr id="9" name="TextBox 8"/>
+          <p:cNvSpPr txBox="1"/>
+          <p:nvPr/>
+        </p:nvSpPr>
+        <p:spPr>
+          <a:xfrm>
+            <a:off x="5485723" y="272700"/>
+            <a:ext cx="1959189" cy="307777"/>
+          </a:xfrm>
+          <a:prstGeom prst="rect">
+            <a:avLst/>
+          </a:prstGeom>
+          <a:noFill/>
+        </p:spPr>
+        <p:txBody>
+          <a:bodyPr vert="horz" wrap="square" rtlCol="0">
+            <a:spAutoFit/>
+          </a:bodyPr>
+          <a:lstStyle/>
+          <a:p>
+            <a:pPr algn="ctr"/>
+            <a:r>
+              <a:rPr lang="en-US" sz="1400" dirty="0" smtClean="0">
+                <a:latin typeface="Helvetica"/>
+                <a:cs typeface="Helvetica"/>
+              </a:rPr>
+              <a:t>Negation</a:t>
+            </a:r>
+            <a:endParaRPr lang="en-US" sz="1400" dirty="0">
+              <a:latin typeface="Helvetica"/>
+              <a:cs typeface="Helvetica"/>
+            </a:endParaRPr>
+          </a:p>
+        </p:txBody>
+      </p:sp>
+      <p:sp>
+        <p:nvSpPr>
+          <p:cNvPr id="11" name="TextBox 10"/>
+          <p:cNvSpPr txBox="1"/>
+          <p:nvPr/>
+        </p:nvSpPr>
+        <p:spPr>
+          <a:xfrm>
+            <a:off x="7525984" y="1188877"/>
+            <a:ext cx="1001668" cy="276999"/>
+          </a:xfrm>
+          <a:prstGeom prst="rect">
+            <a:avLst/>
+          </a:prstGeom>
+          <a:solidFill>
+            <a:srgbClr val="FFFFFF"/>
+          </a:solidFill>
+        </p:spPr>
+        <p:txBody>
+          <a:bodyPr vert="horz" wrap="square" rtlCol="0">
+            <a:spAutoFit/>
+          </a:bodyPr>
+          <a:lstStyle/>
+          <a:p>
+            <a:r>
+              <a:rPr lang="en-US" sz="1200" b="1" dirty="0" smtClean="0">
+                <a:latin typeface="Helvetica"/>
+                <a:cs typeface="Helvetica"/>
+              </a:rPr>
+              <a:t>Trial Type:  </a:t>
+            </a:r>
+            <a:endParaRPr lang="en-US" sz="1200" b="1" dirty="0">
+              <a:latin typeface="Helvetica"/>
+              <a:cs typeface="Helvetica"/>
+            </a:endParaRPr>
+          </a:p>
+        </p:txBody>
+      </p:sp>
       <p:pic>
         <p:nvPicPr>
-          <p:cNvPr id="5" name="Picture 4" descr="viszoom-2.png"/>
+          <p:cNvPr id="12" name="Picture 11" descr="viszoom-1.png"/>
           <p:cNvPicPr>
             <a:picLocks noChangeAspect="1"/>
           </p:cNvPicPr>
@@ -3445,7 +3594,7 @@
         </p:blipFill>
         <p:spPr>
           <a:xfrm>
-            <a:off x="2716154" y="580477"/>
+            <a:off x="339963" y="580477"/>
             <a:ext cx="2391032" cy="2468880"/>
           </a:xfrm>
           <a:prstGeom prst="rect">
@@ -3455,7 +3604,7 @@
       </p:pic>
       <p:pic>
         <p:nvPicPr>
-          <p:cNvPr id="6" name="Picture 5" descr="viszoom-3.png"/>
+          <p:cNvPr id="13" name="Picture 12" descr="viszoom-2.png"/>
           <p:cNvPicPr>
             <a:picLocks noChangeAspect="1"/>
           </p:cNvPicPr>
@@ -3463,170 +3612,46 @@
         </p:nvPicPr>
         <p:blipFill>
           <a:blip r:embed="rId4"/>
-          <a:srcRect l="1875" t="5000" r="8438" b="2500"/>
+          <a:srcRect l="1875" t="5000" r="30938" b="2500"/>
           <a:stretch>
             <a:fillRect/>
           </a:stretch>
         </p:blipFill>
         <p:spPr>
           <a:xfrm>
-            <a:off x="5107186" y="580477"/>
-            <a:ext cx="3191821" cy="2468880"/>
+            <a:off x="2730995" y="580477"/>
+            <a:ext cx="2391032" cy="2468880"/>
           </a:xfrm>
           <a:prstGeom prst="rect">
             <a:avLst/>
           </a:prstGeom>
         </p:spPr>
       </p:pic>
-      <p:sp>
-        <p:nvSpPr>
-          <p:cNvPr id="7" name="TextBox 6"/>
-          <p:cNvSpPr txBox="1"/>
+      <p:pic>
+        <p:nvPicPr>
+          <p:cNvPr id="14" name="Picture 13" descr="viszoom-3.png"/>
+          <p:cNvPicPr>
+            <a:picLocks noChangeAspect="1"/>
+          </p:cNvPicPr>
           <p:nvPr/>
-        </p:nvSpPr>
-        <p:spPr>
-          <a:xfrm>
-            <a:off x="723170" y="272700"/>
-            <a:ext cx="1965960" cy="307777"/>
+        </p:nvPicPr>
+        <p:blipFill>
+          <a:blip r:embed="rId5"/>
+          <a:srcRect l="1875" t="5000" r="30938" b="2500"/>
+          <a:stretch>
+            <a:fillRect/>
+          </a:stretch>
+        </p:blipFill>
+        <p:spPr>
+          <a:xfrm>
+            <a:off x="5122027" y="580477"/>
+            <a:ext cx="2390878" cy="2468880"/>
           </a:xfrm>
           <a:prstGeom prst="rect">
             <a:avLst/>
           </a:prstGeom>
-          <a:noFill/>
-        </p:spPr>
-        <p:txBody>
-          <a:bodyPr vert="horz" wrap="square" rtlCol="0">
-            <a:spAutoFit/>
-          </a:bodyPr>
-          <a:lstStyle/>
-          <a:p>
-            <a:pPr algn="ctr"/>
-            <a:r>
-              <a:rPr lang="en-US" sz="1400" dirty="0" smtClean="0">
-                <a:latin typeface="Helvetica"/>
-                <a:cs typeface="Helvetica"/>
-              </a:rPr>
-              <a:t>Inhibition</a:t>
-            </a:r>
-            <a:endParaRPr lang="en-US" sz="1400" dirty="0">
-              <a:latin typeface="Helvetica"/>
-              <a:cs typeface="Helvetica"/>
-            </a:endParaRPr>
-          </a:p>
-        </p:txBody>
-      </p:sp>
-      <p:sp>
-        <p:nvSpPr>
-          <p:cNvPr id="8" name="TextBox 7"/>
-          <p:cNvSpPr txBox="1"/>
-          <p:nvPr/>
-        </p:nvSpPr>
-        <p:spPr>
-          <a:xfrm>
-            <a:off x="3075488" y="272700"/>
-            <a:ext cx="1965960" cy="307777"/>
-          </a:xfrm>
-          <a:prstGeom prst="rect">
-            <a:avLst/>
-          </a:prstGeom>
-          <a:noFill/>
-        </p:spPr>
-        <p:txBody>
-          <a:bodyPr vert="horz" wrap="square" rtlCol="0">
-            <a:spAutoFit/>
-          </a:bodyPr>
-          <a:lstStyle/>
-          <a:p>
-            <a:pPr algn="ctr"/>
-            <a:r>
-              <a:rPr lang="en-US" sz="1400" dirty="0" err="1" smtClean="0">
-                <a:latin typeface="Helvetica"/>
-                <a:cs typeface="Helvetica"/>
-              </a:rPr>
-              <a:t>Implicature</a:t>
-            </a:r>
-            <a:endParaRPr lang="en-US" sz="1400" dirty="0">
-              <a:latin typeface="Helvetica"/>
-              <a:cs typeface="Helvetica"/>
-            </a:endParaRPr>
-          </a:p>
-        </p:txBody>
-      </p:sp>
-      <p:sp>
-        <p:nvSpPr>
-          <p:cNvPr id="9" name="TextBox 8"/>
-          <p:cNvSpPr txBox="1"/>
-          <p:nvPr/>
-        </p:nvSpPr>
-        <p:spPr>
-          <a:xfrm>
-            <a:off x="5485723" y="272700"/>
-            <a:ext cx="1959189" cy="307777"/>
-          </a:xfrm>
-          <a:prstGeom prst="rect">
-            <a:avLst/>
-          </a:prstGeom>
-          <a:noFill/>
-        </p:spPr>
-        <p:txBody>
-          <a:bodyPr vert="horz" wrap="square" rtlCol="0">
-            <a:spAutoFit/>
-          </a:bodyPr>
-          <a:lstStyle/>
-          <a:p>
-            <a:pPr algn="ctr"/>
-            <a:r>
-              <a:rPr lang="en-US" sz="1400" dirty="0" smtClean="0">
-                <a:latin typeface="Helvetica"/>
-                <a:cs typeface="Helvetica"/>
-              </a:rPr>
-              <a:t>Negation</a:t>
-            </a:r>
-            <a:endParaRPr lang="en-US" sz="1400" dirty="0">
-              <a:latin typeface="Helvetica"/>
-              <a:cs typeface="Helvetica"/>
-            </a:endParaRPr>
-          </a:p>
-        </p:txBody>
-      </p:sp>
-      <p:sp>
-        <p:nvSpPr>
-          <p:cNvPr id="11" name="TextBox 10"/>
-          <p:cNvSpPr txBox="1"/>
-          <p:nvPr/>
-        </p:nvSpPr>
-        <p:spPr>
-          <a:xfrm>
-            <a:off x="7525984" y="1188877"/>
-            <a:ext cx="1001668" cy="276999"/>
-          </a:xfrm>
-          <a:prstGeom prst="rect">
-            <a:avLst/>
-          </a:prstGeom>
-          <a:solidFill>
-            <a:srgbClr val="FFFFFF"/>
-          </a:solidFill>
-        </p:spPr>
-        <p:txBody>
-          <a:bodyPr vert="horz" wrap="square" rtlCol="0">
-            <a:spAutoFit/>
-          </a:bodyPr>
-          <a:lstStyle/>
-          <a:p>
-            <a:r>
-              <a:rPr lang="en-US" sz="1200" b="1" dirty="0" smtClean="0">
-                <a:latin typeface="Helvetica"/>
-                <a:cs typeface="Helvetica"/>
-              </a:rPr>
-              <a:t>Trial Type:  </a:t>
-            </a:r>
-            <a:endParaRPr lang="en-US" sz="1200" b="1" dirty="0">
-              <a:latin typeface="Helvetica"/>
-              <a:cs typeface="Helvetica"/>
-            </a:endParaRPr>
-          </a:p>
-        </p:txBody>
-      </p:sp>
+        </p:spPr>
+      </p:pic>
     </p:spTree>
   </p:cSld>
   <p:clrMapOvr>
@@ -3652,56 +3677,6 @@
           <a:chExt cx="0" cy="0"/>
         </a:xfrm>
       </p:grpSpPr>
-      <p:pic>
-        <p:nvPicPr>
-          <p:cNvPr id="4" name="Picture 3" descr="propcorrect parvis-1.png"/>
-          <p:cNvPicPr>
-            <a:picLocks noChangeAspect="1"/>
-          </p:cNvPicPr>
-          <p:nvPr/>
-        </p:nvPicPr>
-        <p:blipFill>
-          <a:blip r:embed="rId2"/>
-          <a:srcRect l="2250" t="11043" r="24750" b="24294"/>
-          <a:stretch>
-            <a:fillRect/>
-          </a:stretch>
-        </p:blipFill>
-        <p:spPr>
-          <a:xfrm>
-            <a:off x="205740" y="591819"/>
-            <a:ext cx="4941332" cy="1486361"/>
-          </a:xfrm>
-          <a:prstGeom prst="rect">
-            <a:avLst/>
-          </a:prstGeom>
-        </p:spPr>
-      </p:pic>
-      <p:pic>
-        <p:nvPicPr>
-          <p:cNvPr id="5" name="Picture 4" descr="RT_adults parvis-1.png"/>
-          <p:cNvPicPr>
-            <a:picLocks noChangeAspect="1"/>
-          </p:cNvPicPr>
-          <p:nvPr/>
-        </p:nvPicPr>
-        <p:blipFill>
-          <a:blip r:embed="rId3"/>
-          <a:srcRect l="2250" t="11043" r="24750" b="26503"/>
-          <a:stretch>
-            <a:fillRect/>
-          </a:stretch>
-        </p:blipFill>
-        <p:spPr>
-          <a:xfrm>
-            <a:off x="205740" y="2078180"/>
-            <a:ext cx="4941332" cy="1435581"/>
-          </a:xfrm>
-          <a:prstGeom prst="rect">
-            <a:avLst/>
-          </a:prstGeom>
-        </p:spPr>
-      </p:pic>
       <p:sp>
         <p:nvSpPr>
           <p:cNvPr id="6" name="TextBox 5"/>
@@ -4264,7 +4239,7 @@
           <p:nvPr/>
         </p:nvPicPr>
         <p:blipFill>
-          <a:blip r:embed="rId3"/>
+          <a:blip r:embed="rId2"/>
           <a:srcRect l="78000" t="35337" r="16500" b="48589"/>
           <a:stretch>
             <a:fillRect/>
@@ -4289,7 +4264,7 @@
           <p:nvPr/>
         </p:nvPicPr>
         <p:blipFill>
-          <a:blip r:embed="rId3"/>
+          <a:blip r:embed="rId2"/>
           <a:srcRect l="78000" t="50798" r="16500" b="33129"/>
           <a:stretch>
             <a:fillRect/>
@@ -4413,6 +4388,56 @@
           </a:p>
         </p:txBody>
       </p:sp>
+      <p:pic>
+        <p:nvPicPr>
+          <p:cNvPr id="24" name="Picture 23" descr="propcorrect parvis-1.png"/>
+          <p:cNvPicPr>
+            <a:picLocks noChangeAspect="1"/>
+          </p:cNvPicPr>
+          <p:nvPr/>
+        </p:nvPicPr>
+        <p:blipFill>
+          <a:blip r:embed="rId3"/>
+          <a:srcRect l="2250" t="11043" r="24750" b="25399"/>
+          <a:stretch>
+            <a:fillRect/>
+          </a:stretch>
+        </p:blipFill>
+        <p:spPr>
+          <a:xfrm>
+            <a:off x="205740" y="564799"/>
+            <a:ext cx="4955042" cy="1465011"/>
+          </a:xfrm>
+          <a:prstGeom prst="rect">
+            <a:avLst/>
+          </a:prstGeom>
+        </p:spPr>
+      </p:pic>
+      <p:pic>
+        <p:nvPicPr>
+          <p:cNvPr id="25" name="Picture 24" descr="RT_adults parvis-1.png"/>
+          <p:cNvPicPr>
+            <a:picLocks noChangeAspect="1"/>
+          </p:cNvPicPr>
+          <p:nvPr/>
+        </p:nvPicPr>
+        <p:blipFill>
+          <a:blip r:embed="rId4"/>
+          <a:srcRect l="2250" t="11043" r="24750" b="26503"/>
+          <a:stretch>
+            <a:fillRect/>
+          </a:stretch>
+        </p:blipFill>
+        <p:spPr>
+          <a:xfrm>
+            <a:off x="219357" y="2029810"/>
+            <a:ext cx="4941425" cy="1435608"/>
+          </a:xfrm>
+          <a:prstGeom prst="rect">
+            <a:avLst/>
+          </a:prstGeom>
+        </p:spPr>
+      </p:pic>
     </p:spTree>
   </p:cSld>
   <p:clrMapOvr>

--- a/writing/cogsci/figures/figures.pptx
+++ b/writing/cogsci/figures/figures.pptx
@@ -291,7 +291,7 @@
             <a:fld id="{777364C6-8202-CF4E-AE28-F11CA5C212C9}" type="datetimeFigureOut">
               <a:rPr lang="en-US" smtClean="0"/>
               <a:pPr/>
-              <a:t>1/22/16</a:t>
+              <a:t>1/30/16</a:t>
             </a:fld>
             <a:endParaRPr lang="en-US"/>
           </a:p>
@@ -458,7 +458,7 @@
             <a:fld id="{777364C6-8202-CF4E-AE28-F11CA5C212C9}" type="datetimeFigureOut">
               <a:rPr lang="en-US" smtClean="0"/>
               <a:pPr/>
-              <a:t>1/22/16</a:t>
+              <a:t>1/30/16</a:t>
             </a:fld>
             <a:endParaRPr lang="en-US"/>
           </a:p>
@@ -635,7 +635,7 @@
             <a:fld id="{777364C6-8202-CF4E-AE28-F11CA5C212C9}" type="datetimeFigureOut">
               <a:rPr lang="en-US" smtClean="0"/>
               <a:pPr/>
-              <a:t>1/22/16</a:t>
+              <a:t>1/30/16</a:t>
             </a:fld>
             <a:endParaRPr lang="en-US"/>
           </a:p>
@@ -802,7 +802,7 @@
             <a:fld id="{777364C6-8202-CF4E-AE28-F11CA5C212C9}" type="datetimeFigureOut">
               <a:rPr lang="en-US" smtClean="0"/>
               <a:pPr/>
-              <a:t>1/22/16</a:t>
+              <a:t>1/30/16</a:t>
             </a:fld>
             <a:endParaRPr lang="en-US"/>
           </a:p>
@@ -1045,7 +1045,7 @@
             <a:fld id="{777364C6-8202-CF4E-AE28-F11CA5C212C9}" type="datetimeFigureOut">
               <a:rPr lang="en-US" smtClean="0"/>
               <a:pPr/>
-              <a:t>1/22/16</a:t>
+              <a:t>1/30/16</a:t>
             </a:fld>
             <a:endParaRPr lang="en-US"/>
           </a:p>
@@ -1330,7 +1330,7 @@
             <a:fld id="{777364C6-8202-CF4E-AE28-F11CA5C212C9}" type="datetimeFigureOut">
               <a:rPr lang="en-US" smtClean="0"/>
               <a:pPr/>
-              <a:t>1/22/16</a:t>
+              <a:t>1/30/16</a:t>
             </a:fld>
             <a:endParaRPr lang="en-US"/>
           </a:p>
@@ -1749,7 +1749,7 @@
             <a:fld id="{777364C6-8202-CF4E-AE28-F11CA5C212C9}" type="datetimeFigureOut">
               <a:rPr lang="en-US" smtClean="0"/>
               <a:pPr/>
-              <a:t>1/22/16</a:t>
+              <a:t>1/30/16</a:t>
             </a:fld>
             <a:endParaRPr lang="en-US"/>
           </a:p>
@@ -1864,7 +1864,7 @@
             <a:fld id="{777364C6-8202-CF4E-AE28-F11CA5C212C9}" type="datetimeFigureOut">
               <a:rPr lang="en-US" smtClean="0"/>
               <a:pPr/>
-              <a:t>1/22/16</a:t>
+              <a:t>1/30/16</a:t>
             </a:fld>
             <a:endParaRPr lang="en-US"/>
           </a:p>
@@ -1956,7 +1956,7 @@
             <a:fld id="{777364C6-8202-CF4E-AE28-F11CA5C212C9}" type="datetimeFigureOut">
               <a:rPr lang="en-US" smtClean="0"/>
               <a:pPr/>
-              <a:t>1/22/16</a:t>
+              <a:t>1/30/16</a:t>
             </a:fld>
             <a:endParaRPr lang="en-US"/>
           </a:p>
@@ -2230,7 +2230,7 @@
             <a:fld id="{777364C6-8202-CF4E-AE28-F11CA5C212C9}" type="datetimeFigureOut">
               <a:rPr lang="en-US" smtClean="0"/>
               <a:pPr/>
-              <a:t>1/22/16</a:t>
+              <a:t>1/30/16</a:t>
             </a:fld>
             <a:endParaRPr lang="en-US"/>
           </a:p>
@@ -2480,7 +2480,7 @@
             <a:fld id="{777364C6-8202-CF4E-AE28-F11CA5C212C9}" type="datetimeFigureOut">
               <a:rPr lang="en-US" smtClean="0"/>
               <a:pPr/>
-              <a:t>1/22/16</a:t>
+              <a:t>1/30/16</a:t>
             </a:fld>
             <a:endParaRPr lang="en-US"/>
           </a:p>
@@ -2690,7 +2690,7 @@
             <a:fld id="{777364C6-8202-CF4E-AE28-F11CA5C212C9}" type="datetimeFigureOut">
               <a:rPr lang="en-US" smtClean="0"/>
               <a:pPr/>
-              <a:t>1/22/16</a:t>
+              <a:t>1/30/16</a:t>
             </a:fld>
             <a:endParaRPr lang="en-US"/>
           </a:p>
@@ -3061,9 +3061,238 @@
           <a:chExt cx="0" cy="0"/>
         </a:xfrm>
       </p:grpSpPr>
+      <p:sp>
+        <p:nvSpPr>
+          <p:cNvPr id="6" name="TextBox 5"/>
+          <p:cNvSpPr txBox="1"/>
+          <p:nvPr/>
+        </p:nvSpPr>
+        <p:spPr>
+          <a:xfrm>
+            <a:off x="1857784" y="1039373"/>
+            <a:ext cx="1255948" cy="307777"/>
+          </a:xfrm>
+          <a:prstGeom prst="rect">
+            <a:avLst/>
+          </a:prstGeom>
+          <a:noFill/>
+        </p:spPr>
+        <p:txBody>
+          <a:bodyPr wrap="square" rtlCol="0">
+            <a:spAutoFit/>
+          </a:bodyPr>
+          <a:lstStyle/>
+          <a:p>
+            <a:pPr algn="ctr"/>
+            <a:r>
+              <a:rPr lang="en-US" sz="1400" b="1" dirty="0" smtClean="0">
+                <a:latin typeface="Helvetica"/>
+                <a:cs typeface="Helvetica"/>
+              </a:rPr>
+              <a:t>4-year-olds</a:t>
+            </a:r>
+            <a:endParaRPr lang="en-US" sz="1400" b="1" dirty="0">
+              <a:latin typeface="Helvetica"/>
+              <a:cs typeface="Helvetica"/>
+            </a:endParaRPr>
+          </a:p>
+        </p:txBody>
+      </p:sp>
+      <p:sp>
+        <p:nvSpPr>
+          <p:cNvPr id="8" name="TextBox 7"/>
+          <p:cNvSpPr txBox="1"/>
+          <p:nvPr/>
+        </p:nvSpPr>
+        <p:spPr>
+          <a:xfrm>
+            <a:off x="3780031" y="1039373"/>
+            <a:ext cx="1255948" cy="307777"/>
+          </a:xfrm>
+          <a:prstGeom prst="rect">
+            <a:avLst/>
+          </a:prstGeom>
+          <a:noFill/>
+        </p:spPr>
+        <p:txBody>
+          <a:bodyPr wrap="square" rtlCol="0">
+            <a:spAutoFit/>
+          </a:bodyPr>
+          <a:lstStyle/>
+          <a:p>
+            <a:pPr algn="ctr"/>
+            <a:r>
+              <a:rPr lang="en-US" sz="1400" b="1" dirty="0" smtClean="0">
+                <a:latin typeface="Helvetica"/>
+                <a:cs typeface="Helvetica"/>
+              </a:rPr>
+              <a:t>5-year-olds</a:t>
+            </a:r>
+            <a:endParaRPr lang="en-US" sz="1400" b="1" dirty="0">
+              <a:latin typeface="Helvetica"/>
+              <a:cs typeface="Helvetica"/>
+            </a:endParaRPr>
+          </a:p>
+        </p:txBody>
+      </p:sp>
+      <p:sp>
+        <p:nvSpPr>
+          <p:cNvPr id="9" name="TextBox 8"/>
+          <p:cNvSpPr txBox="1"/>
+          <p:nvPr/>
+        </p:nvSpPr>
+        <p:spPr>
+          <a:xfrm>
+            <a:off x="5702278" y="1039373"/>
+            <a:ext cx="1255948" cy="307777"/>
+          </a:xfrm>
+          <a:prstGeom prst="rect">
+            <a:avLst/>
+          </a:prstGeom>
+          <a:noFill/>
+        </p:spPr>
+        <p:txBody>
+          <a:bodyPr wrap="square" rtlCol="0">
+            <a:spAutoFit/>
+          </a:bodyPr>
+          <a:lstStyle/>
+          <a:p>
+            <a:pPr algn="ctr"/>
+            <a:r>
+              <a:rPr lang="en-US" sz="1400" b="1" dirty="0">
+                <a:latin typeface="Helvetica"/>
+                <a:cs typeface="Helvetica"/>
+              </a:rPr>
+              <a:t>6</a:t>
+            </a:r>
+            <a:r>
+              <a:rPr lang="en-US" sz="1400" b="1" dirty="0" smtClean="0">
+                <a:latin typeface="Helvetica"/>
+                <a:cs typeface="Helvetica"/>
+              </a:rPr>
+              <a:t>-year-olds</a:t>
+            </a:r>
+            <a:endParaRPr lang="en-US" sz="1400" b="1" dirty="0">
+              <a:latin typeface="Helvetica"/>
+              <a:cs typeface="Helvetica"/>
+            </a:endParaRPr>
+          </a:p>
+        </p:txBody>
+      </p:sp>
+      <p:sp>
+        <p:nvSpPr>
+          <p:cNvPr id="10" name="TextBox 9"/>
+          <p:cNvSpPr txBox="1"/>
+          <p:nvPr/>
+        </p:nvSpPr>
+        <p:spPr>
+          <a:xfrm>
+            <a:off x="887036" y="1328113"/>
+            <a:ext cx="400110" cy="1274054"/>
+          </a:xfrm>
+          <a:prstGeom prst="rect">
+            <a:avLst/>
+          </a:prstGeom>
+          <a:noFill/>
+        </p:spPr>
+        <p:txBody>
+          <a:bodyPr vert="vert270" wrap="square" rtlCol="0">
+            <a:spAutoFit/>
+          </a:bodyPr>
+          <a:lstStyle/>
+          <a:p>
+            <a:pPr algn="ctr"/>
+            <a:r>
+              <a:rPr lang="en-US" sz="1400" b="1" dirty="0" smtClean="0">
+                <a:latin typeface="Helvetica"/>
+                <a:cs typeface="Helvetica"/>
+              </a:rPr>
+              <a:t>Inhibition</a:t>
+            </a:r>
+            <a:endParaRPr lang="en-US" sz="1400" b="1" dirty="0">
+              <a:latin typeface="Helvetica"/>
+              <a:cs typeface="Helvetica"/>
+            </a:endParaRPr>
+          </a:p>
+        </p:txBody>
+      </p:sp>
+      <p:sp>
+        <p:nvSpPr>
+          <p:cNvPr id="11" name="TextBox 10"/>
+          <p:cNvSpPr txBox="1"/>
+          <p:nvPr/>
+        </p:nvSpPr>
+        <p:spPr>
+          <a:xfrm>
+            <a:off x="887036" y="2950854"/>
+            <a:ext cx="400110" cy="1274054"/>
+          </a:xfrm>
+          <a:prstGeom prst="rect">
+            <a:avLst/>
+          </a:prstGeom>
+          <a:noFill/>
+        </p:spPr>
+        <p:txBody>
+          <a:bodyPr vert="vert270" wrap="square" rtlCol="0">
+            <a:spAutoFit/>
+          </a:bodyPr>
+          <a:lstStyle/>
+          <a:p>
+            <a:pPr algn="ctr"/>
+            <a:r>
+              <a:rPr lang="en-US" sz="1400" b="1" dirty="0" err="1" smtClean="0">
+                <a:latin typeface="Helvetica"/>
+                <a:cs typeface="Helvetica"/>
+              </a:rPr>
+              <a:t>Implicature</a:t>
+            </a:r>
+            <a:endParaRPr lang="en-US" sz="1400" b="1" dirty="0">
+              <a:latin typeface="Helvetica"/>
+              <a:cs typeface="Helvetica"/>
+            </a:endParaRPr>
+          </a:p>
+        </p:txBody>
+      </p:sp>
+      <p:sp>
+        <p:nvSpPr>
+          <p:cNvPr id="12" name="TextBox 11"/>
+          <p:cNvSpPr txBox="1"/>
+          <p:nvPr/>
+        </p:nvSpPr>
+        <p:spPr>
+          <a:xfrm>
+            <a:off x="887036" y="4573595"/>
+            <a:ext cx="400110" cy="1274054"/>
+          </a:xfrm>
+          <a:prstGeom prst="rect">
+            <a:avLst/>
+          </a:prstGeom>
+          <a:noFill/>
+        </p:spPr>
+        <p:txBody>
+          <a:bodyPr vert="vert270" wrap="square" rtlCol="0">
+            <a:spAutoFit/>
+          </a:bodyPr>
+          <a:lstStyle/>
+          <a:p>
+            <a:pPr algn="ctr"/>
+            <a:r>
+              <a:rPr lang="en-US" sz="1400" b="1" dirty="0" smtClean="0">
+                <a:latin typeface="Helvetica"/>
+                <a:cs typeface="Helvetica"/>
+              </a:rPr>
+              <a:t>Negation</a:t>
+            </a:r>
+            <a:endParaRPr lang="en-US" sz="1400" b="1" dirty="0">
+              <a:latin typeface="Helvetica"/>
+              <a:cs typeface="Helvetica"/>
+            </a:endParaRPr>
+          </a:p>
+        </p:txBody>
+      </p:sp>
       <p:pic>
         <p:nvPicPr>
-          <p:cNvPr id="15" name="Picture 14" descr="parvis-1.png"/>
+          <p:cNvPr id="18" name="Picture 17" descr="parvis-1.png"/>
           <p:cNvPicPr>
             <a:picLocks noChangeAspect="1"/>
           </p:cNvPicPr>
@@ -3071,30 +3300,107 @@
         </p:nvPicPr>
         <p:blipFill>
           <a:blip r:embed="rId2"/>
-          <a:srcRect l="20795" t="1875" r="21136" b="1607"/>
           <a:stretch>
             <a:fillRect/>
           </a:stretch>
         </p:blipFill>
         <p:spPr>
           <a:xfrm>
-            <a:off x="908910" y="426484"/>
-            <a:ext cx="5309966" cy="5617108"/>
+            <a:off x="1203416" y="1328113"/>
+            <a:ext cx="7766503" cy="4854064"/>
           </a:xfrm>
           <a:prstGeom prst="rect">
             <a:avLst/>
           </a:prstGeom>
         </p:spPr>
       </p:pic>
-      <p:sp>
-        <p:nvSpPr>
-          <p:cNvPr id="6" name="TextBox 5"/>
+      <p:grpSp>
+        <p:nvGrpSpPr>
+          <p:cNvPr id="16" name="Group 15"/>
+          <p:cNvGrpSpPr/>
+          <p:nvPr/>
+        </p:nvGrpSpPr>
+        <p:grpSpPr>
+          <a:xfrm>
+            <a:off x="8107801" y="1341359"/>
+            <a:ext cx="1001668" cy="766928"/>
+            <a:chOff x="5386642" y="420489"/>
+            <a:chExt cx="1001668" cy="766928"/>
+          </a:xfrm>
+        </p:grpSpPr>
+        <p:pic>
+          <p:nvPicPr>
+            <p:cNvPr id="14" name="Picture 13" descr="viszoom-3.png"/>
+            <p:cNvPicPr>
+              <a:picLocks noChangeAspect="1"/>
+            </p:cNvPicPr>
+            <p:nvPr/>
+          </p:nvPicPr>
+          <p:blipFill>
+            <a:blip r:embed="rId3"/>
+            <a:srcRect l="71250" t="32500" r="9375" b="43750"/>
+            <a:stretch>
+              <a:fillRect/>
+            </a:stretch>
+          </p:blipFill>
+          <p:spPr>
+            <a:xfrm>
+              <a:off x="5455590" y="515091"/>
+              <a:ext cx="731633" cy="672326"/>
+            </a:xfrm>
+            <a:prstGeom prst="rect">
+              <a:avLst/>
+            </a:prstGeom>
+          </p:spPr>
+        </p:pic>
+        <p:sp>
+          <p:nvSpPr>
+            <p:cNvPr id="13" name="TextBox 12"/>
+            <p:cNvSpPr txBox="1"/>
+            <p:nvPr/>
+          </p:nvSpPr>
+          <p:spPr>
+            <a:xfrm>
+              <a:off x="5386642" y="420489"/>
+              <a:ext cx="1001668" cy="276999"/>
+            </a:xfrm>
+            <a:prstGeom prst="rect">
+              <a:avLst/>
+            </a:prstGeom>
+            <a:solidFill>
+              <a:srgbClr val="FFFFFF"/>
+            </a:solidFill>
+          </p:spPr>
+          <p:txBody>
+            <a:bodyPr vert="horz" wrap="square" rtlCol="0">
+              <a:noAutofit/>
+            </a:bodyPr>
+            <a:lstStyle/>
+            <a:p>
+              <a:r>
+                <a:rPr lang="en-US" sz="1200" b="1" dirty="0" smtClean="0">
+                  <a:latin typeface="Helvetica"/>
+                  <a:cs typeface="Helvetica"/>
+                </a:rPr>
+                <a:t>Trial Type:  </a:t>
+              </a:r>
+              <a:endParaRPr lang="en-US" sz="1200" b="1" dirty="0">
+                <a:latin typeface="Helvetica"/>
+                <a:cs typeface="Helvetica"/>
+              </a:endParaRPr>
+            </a:p>
+          </p:txBody>
+        </p:sp>
+      </p:grpSp>
+      <p:sp>
+        <p:nvSpPr>
+          <p:cNvPr id="19" name="TextBox 18"/>
           <p:cNvSpPr txBox="1"/>
           <p:nvPr/>
         </p:nvSpPr>
         <p:spPr>
           <a:xfrm>
-            <a:off x="1187945" y="118707"/>
+            <a:off x="7624524" y="1039373"/>
             <a:ext cx="1255948" cy="307777"/>
           </a:xfrm>
           <a:prstGeom prst="rect">
@@ -3110,268 +3416,13 @@
           <a:p>
             <a:pPr algn="ctr"/>
             <a:r>
-              <a:rPr lang="en-US" sz="1400" dirty="0" smtClean="0">
+              <a:rPr lang="en-US" sz="1400" b="1" dirty="0" smtClean="0">
                 <a:latin typeface="Helvetica"/>
                 <a:cs typeface="Helvetica"/>
               </a:rPr>
-              <a:t>4-year-olds</a:t>
-            </a:r>
-            <a:endParaRPr lang="en-US" sz="1400" dirty="0">
-              <a:latin typeface="Helvetica"/>
-              <a:cs typeface="Helvetica"/>
-            </a:endParaRPr>
-          </a:p>
-        </p:txBody>
-      </p:sp>
-      <p:sp>
-        <p:nvSpPr>
-          <p:cNvPr id="8" name="TextBox 7"/>
-          <p:cNvSpPr txBox="1"/>
-          <p:nvPr/>
-        </p:nvSpPr>
-        <p:spPr>
-          <a:xfrm>
-            <a:off x="3019074" y="118707"/>
-            <a:ext cx="1255948" cy="307777"/>
-          </a:xfrm>
-          <a:prstGeom prst="rect">
-            <a:avLst/>
-          </a:prstGeom>
-          <a:noFill/>
-        </p:spPr>
-        <p:txBody>
-          <a:bodyPr wrap="square" rtlCol="0">
-            <a:spAutoFit/>
-          </a:bodyPr>
-          <a:lstStyle/>
-          <a:p>
-            <a:pPr algn="ctr"/>
-            <a:r>
-              <a:rPr lang="en-US" sz="1400" dirty="0" smtClean="0">
-                <a:latin typeface="Helvetica"/>
-                <a:cs typeface="Helvetica"/>
-              </a:rPr>
-              <a:t>5-year-olds</a:t>
-            </a:r>
-            <a:endParaRPr lang="en-US" sz="1400" dirty="0">
-              <a:latin typeface="Helvetica"/>
-              <a:cs typeface="Helvetica"/>
-            </a:endParaRPr>
-          </a:p>
-        </p:txBody>
-      </p:sp>
-      <p:sp>
-        <p:nvSpPr>
-          <p:cNvPr id="9" name="TextBox 8"/>
-          <p:cNvSpPr txBox="1"/>
-          <p:nvPr/>
-        </p:nvSpPr>
-        <p:spPr>
-          <a:xfrm>
-            <a:off x="4850203" y="118707"/>
-            <a:ext cx="1255948" cy="307777"/>
-          </a:xfrm>
-          <a:prstGeom prst="rect">
-            <a:avLst/>
-          </a:prstGeom>
-          <a:noFill/>
-        </p:spPr>
-        <p:txBody>
-          <a:bodyPr wrap="square" rtlCol="0">
-            <a:spAutoFit/>
-          </a:bodyPr>
-          <a:lstStyle/>
-          <a:p>
-            <a:pPr algn="ctr"/>
-            <a:r>
-              <a:rPr lang="en-US" sz="1400" dirty="0">
-                <a:latin typeface="Helvetica"/>
-                <a:cs typeface="Helvetica"/>
-              </a:rPr>
-              <a:t>6</a:t>
-            </a:r>
-            <a:r>
-              <a:rPr lang="en-US" sz="1400" dirty="0" smtClean="0">
-                <a:latin typeface="Helvetica"/>
-                <a:cs typeface="Helvetica"/>
-              </a:rPr>
-              <a:t>-year-olds</a:t>
-            </a:r>
-            <a:endParaRPr lang="en-US" sz="1400" dirty="0">
-              <a:latin typeface="Helvetica"/>
-              <a:cs typeface="Helvetica"/>
-            </a:endParaRPr>
-          </a:p>
-        </p:txBody>
-      </p:sp>
-      <p:sp>
-        <p:nvSpPr>
-          <p:cNvPr id="10" name="TextBox 9"/>
-          <p:cNvSpPr txBox="1"/>
-          <p:nvPr/>
-        </p:nvSpPr>
-        <p:spPr>
-          <a:xfrm>
-            <a:off x="536710" y="555621"/>
-            <a:ext cx="400110" cy="1274054"/>
-          </a:xfrm>
-          <a:prstGeom prst="rect">
-            <a:avLst/>
-          </a:prstGeom>
-          <a:noFill/>
-        </p:spPr>
-        <p:txBody>
-          <a:bodyPr vert="vert270" wrap="square" rtlCol="0">
-            <a:spAutoFit/>
-          </a:bodyPr>
-          <a:lstStyle/>
-          <a:p>
-            <a:pPr algn="ctr"/>
-            <a:r>
-              <a:rPr lang="en-US" sz="1400" dirty="0" smtClean="0">
-                <a:latin typeface="Helvetica"/>
-                <a:cs typeface="Helvetica"/>
-              </a:rPr>
-              <a:t>Inhibition</a:t>
-            </a:r>
-            <a:endParaRPr lang="en-US" sz="1400" dirty="0">
-              <a:latin typeface="Helvetica"/>
-              <a:cs typeface="Helvetica"/>
-            </a:endParaRPr>
-          </a:p>
-        </p:txBody>
-      </p:sp>
-      <p:sp>
-        <p:nvSpPr>
-          <p:cNvPr id="11" name="TextBox 10"/>
-          <p:cNvSpPr txBox="1"/>
-          <p:nvPr/>
-        </p:nvSpPr>
-        <p:spPr>
-          <a:xfrm>
-            <a:off x="536710" y="2481091"/>
-            <a:ext cx="400110" cy="1274054"/>
-          </a:xfrm>
-          <a:prstGeom prst="rect">
-            <a:avLst/>
-          </a:prstGeom>
-          <a:noFill/>
-        </p:spPr>
-        <p:txBody>
-          <a:bodyPr vert="vert270" wrap="square" rtlCol="0">
-            <a:spAutoFit/>
-          </a:bodyPr>
-          <a:lstStyle/>
-          <a:p>
-            <a:pPr algn="ctr"/>
-            <a:r>
-              <a:rPr lang="en-US" sz="1400" dirty="0" err="1" smtClean="0">
-                <a:latin typeface="Helvetica"/>
-                <a:cs typeface="Helvetica"/>
-              </a:rPr>
-              <a:t>Implicature</a:t>
-            </a:r>
-            <a:endParaRPr lang="en-US" sz="1400" dirty="0">
-              <a:latin typeface="Helvetica"/>
-              <a:cs typeface="Helvetica"/>
-            </a:endParaRPr>
-          </a:p>
-        </p:txBody>
-      </p:sp>
-      <p:sp>
-        <p:nvSpPr>
-          <p:cNvPr id="12" name="TextBox 11"/>
-          <p:cNvSpPr txBox="1"/>
-          <p:nvPr/>
-        </p:nvSpPr>
-        <p:spPr>
-          <a:xfrm>
-            <a:off x="536710" y="4420071"/>
-            <a:ext cx="400110" cy="1274054"/>
-          </a:xfrm>
-          <a:prstGeom prst="rect">
-            <a:avLst/>
-          </a:prstGeom>
-          <a:noFill/>
-        </p:spPr>
-        <p:txBody>
-          <a:bodyPr vert="vert270" wrap="square" rtlCol="0">
-            <a:spAutoFit/>
-          </a:bodyPr>
-          <a:lstStyle/>
-          <a:p>
-            <a:pPr algn="ctr"/>
-            <a:r>
-              <a:rPr lang="en-US" sz="1400" dirty="0" smtClean="0">
-                <a:latin typeface="Helvetica"/>
-                <a:cs typeface="Helvetica"/>
-              </a:rPr>
-              <a:t>Negation</a:t>
-            </a:r>
-            <a:endParaRPr lang="en-US" sz="1400" dirty="0">
-              <a:latin typeface="Helvetica"/>
-              <a:cs typeface="Helvetica"/>
-            </a:endParaRPr>
-          </a:p>
-        </p:txBody>
-      </p:sp>
-      <p:pic>
-        <p:nvPicPr>
-          <p:cNvPr id="14" name="Picture 13" descr="viszoom-3.png"/>
-          <p:cNvPicPr>
-            <a:picLocks noChangeAspect="1"/>
-          </p:cNvPicPr>
-          <p:nvPr/>
-        </p:nvPicPr>
-        <p:blipFill>
-          <a:blip r:embed="rId3"/>
-          <a:srcRect l="71250" t="32500" r="9375" b="43750"/>
-          <a:stretch>
-            <a:fillRect/>
-          </a:stretch>
-        </p:blipFill>
-        <p:spPr>
-          <a:xfrm>
-            <a:off x="5455590" y="515091"/>
-            <a:ext cx="731633" cy="672326"/>
-          </a:xfrm>
-          <a:prstGeom prst="rect">
-            <a:avLst/>
-          </a:prstGeom>
-        </p:spPr>
-      </p:pic>
-      <p:sp>
-        <p:nvSpPr>
-          <p:cNvPr id="13" name="TextBox 12"/>
-          <p:cNvSpPr txBox="1"/>
-          <p:nvPr/>
-        </p:nvSpPr>
-        <p:spPr>
-          <a:xfrm>
-            <a:off x="5414552" y="420489"/>
-            <a:ext cx="1001668" cy="276999"/>
-          </a:xfrm>
-          <a:prstGeom prst="rect">
-            <a:avLst/>
-          </a:prstGeom>
-          <a:solidFill>
-            <a:srgbClr val="FFFFFF"/>
-          </a:solidFill>
-        </p:spPr>
-        <p:txBody>
-          <a:bodyPr vert="horz" wrap="square" rtlCol="0">
-            <a:spAutoFit/>
-          </a:bodyPr>
-          <a:lstStyle/>
-          <a:p>
-            <a:r>
-              <a:rPr lang="en-US" sz="1200" b="1" dirty="0" smtClean="0">
-                <a:latin typeface="Helvetica"/>
-                <a:cs typeface="Helvetica"/>
-              </a:rPr>
-              <a:t>Trial Type:  </a:t>
-            </a:r>
-            <a:endParaRPr lang="en-US" sz="1200" b="1" dirty="0">
+              <a:t>Adults</a:t>
+            </a:r>
+            <a:endParaRPr lang="en-US" sz="1400" b="1" dirty="0">
               <a:latin typeface="Helvetica"/>
               <a:cs typeface="Helvetica"/>
             </a:endParaRPr>
